--- a/presentations/04-spring-data.pptx
+++ b/presentations/04-spring-data.pptx
@@ -374,7 +374,7 @@
               <a:pPr>
                 <a:defRPr/>
               </a:pPr>
-              <a:t>17/5/19</a:t>
+              <a:t>21/5/19</a:t>
             </a:fld>
             <a:endParaRPr lang="es-ES_tradnl" altLang="es-ES"/>
           </a:p>
@@ -647,7 +647,7 @@
               <a:pPr>
                 <a:defRPr/>
               </a:pPr>
-              <a:t>17/5/19</a:t>
+              <a:t>21/5/19</a:t>
             </a:fld>
             <a:endParaRPr lang="es-ES" altLang="es-ES"/>
           </a:p>
@@ -26118,8 +26118,8 @@
         </p:nvSpPr>
         <p:spPr bwMode="auto">
           <a:xfrm>
-            <a:off x="1547664" y="2397925"/>
-            <a:ext cx="3887192" cy="461665"/>
+            <a:off x="1547664" y="1678825"/>
+            <a:ext cx="4608512" cy="461665"/>
           </a:xfrm>
           <a:prstGeom prst="rect">
             <a:avLst/>
@@ -26163,7 +26163,7 @@
             </a:r>
             <a:r>
               <a:rPr lang="es-ES" sz="2400" dirty="0"/>
-              <a:t>/</a:t>
+              <a:t>/5zkwNj</a:t>
             </a:r>
             <a:endParaRPr lang="es-ES" sz="2400" dirty="0">
               <a:solidFill>
@@ -26188,7 +26188,7 @@
         </p:nvSpPr>
         <p:spPr bwMode="auto">
           <a:xfrm>
-            <a:off x="1547664" y="1491629"/>
+            <a:off x="1547664" y="1005963"/>
             <a:ext cx="6508961" cy="400110"/>
           </a:xfrm>
           <a:prstGeom prst="rect">
@@ -26262,7 +26262,7 @@
         </p:blipFill>
         <p:spPr>
           <a:xfrm>
-            <a:off x="611560" y="1393202"/>
+            <a:off x="611560" y="915566"/>
             <a:ext cx="658520" cy="658520"/>
           </a:xfrm>
           <a:prstGeom prst="rect">
@@ -26292,7 +26292,7 @@
         </p:blipFill>
         <p:spPr>
           <a:xfrm flipH="1">
-            <a:off x="611560" y="2299498"/>
+            <a:off x="611560" y="1618449"/>
             <a:ext cx="658520" cy="658520"/>
           </a:xfrm>
           <a:prstGeom prst="rect">
@@ -26389,6 +26389,102 @@
         <p:spPr>
           <a:xfrm>
             <a:off x="611560" y="3094188"/>
+            <a:ext cx="658520" cy="658520"/>
+          </a:xfrm>
+          <a:prstGeom prst="rect">
+            <a:avLst/>
+          </a:prstGeom>
+        </p:spPr>
+      </p:pic>
+      <p:sp>
+        <p:nvSpPr>
+          <p:cNvPr id="4" name="CuadroTexto 3">
+            <a:extLst>
+              <a:ext uri="{FF2B5EF4-FFF2-40B4-BE49-F238E27FC236}">
+                <a16:creationId xmlns:a16="http://schemas.microsoft.com/office/drawing/2014/main" id="{E71A0333-B528-7F47-9112-62AB3590407B}"/>
+              </a:ext>
+            </a:extLst>
+          </p:cNvPr>
+          <p:cNvSpPr txBox="1"/>
+          <p:nvPr/>
+        </p:nvSpPr>
+        <p:spPr bwMode="auto">
+          <a:xfrm>
+            <a:off x="1547664" y="2504439"/>
+            <a:ext cx="7285328" cy="307777"/>
+          </a:xfrm>
+          <a:prstGeom prst="rect">
+            <a:avLst/>
+          </a:prstGeom>
+          <a:noFill/>
+          <a:ln>
+            <a:noFill/>
+          </a:ln>
+          <a:extLst>
+            <a:ext uri="{909E8E84-426E-40DD-AFC4-6F175D3DCCD1}">
+              <a14:hiddenFill xmlns:a14="http://schemas.microsoft.com/office/drawing/2010/main">
+                <a:solidFill>
+                  <a:srgbClr val="FFFFFF"/>
+                </a:solidFill>
+              </a14:hiddenFill>
+            </a:ext>
+            <a:ext uri="{91240B29-F687-4F45-9708-019B960494DF}">
+              <a14:hiddenLine xmlns:a14="http://schemas.microsoft.com/office/drawing/2010/main" w="9525">
+                <a:solidFill>
+                  <a:srgbClr val="000000"/>
+                </a:solidFill>
+                <a:miter lim="800000"/>
+                <a:headEnd/>
+                <a:tailEnd/>
+              </a14:hiddenLine>
+            </a:ext>
+          </a:extLst>
+        </p:spPr>
+        <p:txBody>
+          <a:bodyPr wrap="none" rtlCol="0">
+            <a:spAutoFit/>
+          </a:bodyPr>
+          <a:lstStyle/>
+          <a:p>
+            <a:pPr eaLnBrk="1" hangingPunct="1"/>
+            <a:r>
+              <a:rPr lang="es-ES" sz="1400" dirty="0">
+                <a:hlinkClick r:id="rId8"/>
+              </a:rPr>
+              <a:t>https://github.com/Telefonica/cto-spring-webflux-training/blob/master/docker-compose.yml</a:t>
+            </a:r>
+            <a:endParaRPr lang="es-ES" sz="1400" dirty="0">
+              <a:solidFill>
+                <a:srgbClr val="01646C"/>
+              </a:solidFill>
+              <a:latin typeface="Calibri" charset="0"/>
+            </a:endParaRPr>
+          </a:p>
+        </p:txBody>
+      </p:sp>
+      <p:pic>
+        <p:nvPicPr>
+          <p:cNvPr id="9" name="Imagen 8">
+            <a:extLst>
+              <a:ext uri="{FF2B5EF4-FFF2-40B4-BE49-F238E27FC236}">
+                <a16:creationId xmlns:a16="http://schemas.microsoft.com/office/drawing/2014/main" id="{C4A6E78B-24B1-D142-8A6A-E11268960803}"/>
+              </a:ext>
+            </a:extLst>
+          </p:cNvPr>
+          <p:cNvPicPr>
+            <a:picLocks noChangeAspect="1"/>
+          </p:cNvPicPr>
+          <p:nvPr/>
+        </p:nvPicPr>
+        <p:blipFill>
+          <a:blip r:embed="rId9"/>
+          <a:stretch>
+            <a:fillRect/>
+          </a:stretch>
+        </p:blipFill>
+        <p:spPr>
+          <a:xfrm>
+            <a:off x="611560" y="2321332"/>
             <a:ext cx="658520" cy="658520"/>
           </a:xfrm>
           <a:prstGeom prst="rect">
@@ -27422,7 +27518,7 @@
         <p:spPr bwMode="auto">
           <a:xfrm>
             <a:off x="1907704" y="1995686"/>
-            <a:ext cx="3195105" cy="892552"/>
+            <a:ext cx="4253087" cy="1084912"/>
           </a:xfrm>
           <a:prstGeom prst="rect">
             <a:avLst/>
@@ -27458,105 +27554,119 @@
           <a:lstStyle/>
           <a:p>
             <a:r>
-              <a:rPr lang="es-ES" sz="1000" dirty="0"/>
+              <a:rPr lang="es-ES" sz="1050" dirty="0"/>
               <a:t>&lt;</a:t>
             </a:r>
             <a:r>
-              <a:rPr lang="es-ES" sz="1000" dirty="0" err="1"/>
+              <a:rPr lang="es-ES" sz="1050" dirty="0" err="1"/>
               <a:t>dependency</a:t>
             </a:r>
             <a:r>
-              <a:rPr lang="es-ES" sz="1000" dirty="0"/>
+              <a:rPr lang="es-ES" sz="1050" dirty="0"/>
               <a:t>&gt;</a:t>
             </a:r>
           </a:p>
           <a:p>
             <a:r>
-              <a:rPr lang="es-ES" sz="1000" dirty="0"/>
-              <a:t>     &lt;</a:t>
-            </a:r>
-            <a:r>
-              <a:rPr lang="es-ES" sz="1000" dirty="0" err="1"/>
+              <a:rPr lang="es-ES" sz="1050" dirty="0"/>
+              <a:t>    &lt;</a:t>
+            </a:r>
+            <a:r>
+              <a:rPr lang="es-ES" sz="1050" dirty="0" err="1"/>
               <a:t>groupId</a:t>
             </a:r>
             <a:r>
-              <a:rPr lang="es-ES" sz="1000" dirty="0"/>
+              <a:rPr lang="es-ES" sz="1050" dirty="0"/>
               <a:t>&gt;</a:t>
             </a:r>
             <a:r>
-              <a:rPr lang="es-ES" sz="1000" dirty="0" err="1"/>
+              <a:rPr lang="es-ES" sz="1050" dirty="0" err="1"/>
               <a:t>org.springframework.boot</a:t>
             </a:r>
             <a:r>
-              <a:rPr lang="es-ES" sz="1000" dirty="0"/>
+              <a:rPr lang="es-ES" sz="1050" dirty="0"/>
               <a:t>&lt;/</a:t>
             </a:r>
             <a:r>
-              <a:rPr lang="es-ES" sz="1000" dirty="0" err="1"/>
+              <a:rPr lang="es-ES" sz="1050" dirty="0" err="1"/>
               <a:t>groupId</a:t>
             </a:r>
             <a:r>
-              <a:rPr lang="es-ES" sz="1000" dirty="0"/>
+              <a:rPr lang="es-ES" sz="1050" dirty="0"/>
               <a:t>&gt;</a:t>
             </a:r>
           </a:p>
           <a:p>
             <a:r>
-              <a:rPr lang="es-ES" sz="1000" dirty="0"/>
-              <a:t>     &lt;</a:t>
-            </a:r>
-            <a:r>
-              <a:rPr lang="es-ES" sz="1000" dirty="0" err="1"/>
+              <a:rPr lang="es-ES" sz="1050" dirty="0"/>
+              <a:t>    &lt;</a:t>
+            </a:r>
+            <a:r>
+              <a:rPr lang="es-ES" sz="1050" dirty="0" err="1"/>
               <a:t>artifactId</a:t>
             </a:r>
             <a:r>
-              <a:rPr lang="es-ES" sz="1000" dirty="0"/>
+              <a:rPr lang="es-ES" sz="1050" dirty="0"/>
               <a:t>&gt;</a:t>
             </a:r>
             <a:r>
-              <a:rPr lang="es-ES" sz="1000" dirty="0" err="1"/>
+              <a:rPr lang="es-ES" sz="1050" dirty="0" err="1"/>
               <a:t>spring</a:t>
             </a:r>
             <a:r>
-              <a:rPr lang="es-ES" sz="1000" dirty="0"/>
+              <a:rPr lang="es-ES" sz="1050" dirty="0"/>
               <a:t>-</a:t>
             </a:r>
             <a:r>
-              <a:rPr lang="es-ES" sz="1000" dirty="0" err="1"/>
+              <a:rPr lang="es-ES" sz="1050" dirty="0" err="1"/>
               <a:t>boot</a:t>
             </a:r>
             <a:r>
-              <a:rPr lang="es-ES" sz="1000" dirty="0"/>
-              <a:t>-starter-</a:t>
-            </a:r>
-            <a:r>
-              <a:rPr lang="es-ES" sz="1000" dirty="0" err="1"/>
-              <a:t>webflux</a:t>
-            </a:r>
-            <a:r>
-              <a:rPr lang="es-ES" sz="1000" dirty="0"/>
-              <a:t>&lt;/</a:t>
-            </a:r>
-            <a:r>
-              <a:rPr lang="es-ES" sz="1000" dirty="0" err="1"/>
+              <a:rPr lang="es-ES" sz="1050" dirty="0"/>
+              <a:t>-starter-data-</a:t>
+            </a:r>
+            <a:r>
+              <a:rPr lang="es-ES" sz="1050" dirty="0" err="1"/>
+              <a:t>mongodb</a:t>
+            </a:r>
+            <a:r>
+              <a:rPr lang="es-ES" sz="1050" dirty="0"/>
+              <a:t>-reactive&lt;/</a:t>
+            </a:r>
+            <a:r>
+              <a:rPr lang="es-ES" sz="1050" dirty="0" err="1"/>
               <a:t>artifactId</a:t>
             </a:r>
             <a:r>
-              <a:rPr lang="es-ES" sz="1000" dirty="0"/>
+              <a:rPr lang="es-ES" sz="1050" dirty="0"/>
               <a:t>&gt;</a:t>
             </a:r>
           </a:p>
           <a:p>
             <a:r>
-              <a:rPr lang="es-ES" sz="1000" dirty="0"/>
-              <a:t>&lt;/</a:t>
-            </a:r>
-            <a:r>
-              <a:rPr lang="es-ES" sz="1000" dirty="0" err="1"/>
+              <a:rPr lang="es-ES" sz="1050" dirty="0"/>
+              <a:t>  &lt;/</a:t>
+            </a:r>
+            <a:r>
+              <a:rPr lang="es-ES" sz="1050" dirty="0" err="1"/>
               <a:t>dependency</a:t>
             </a:r>
             <a:r>
-              <a:rPr lang="es-ES" sz="1000" dirty="0"/>
+              <a:rPr lang="es-ES" sz="1050" dirty="0"/>
+              <a:t>&gt;</a:t>
+            </a:r>
+          </a:p>
+          <a:p>
+            <a:r>
+              <a:rPr lang="es-ES" sz="1050" dirty="0"/>
+              <a:t>&lt;</a:t>
+            </a:r>
+            <a:r>
+              <a:rPr lang="es-ES" sz="1050" dirty="0" err="1"/>
+              <a:t>dependency</a:t>
+            </a:r>
+            <a:r>
+              <a:rPr lang="es-ES" sz="1050" dirty="0"/>
               <a:t>&gt;</a:t>
             </a:r>
           </a:p>
@@ -29915,12 +30025,6 @@
 </file>
 
 <file path=customXml/item1.xml><?xml version="1.0" encoding="utf-8"?>
-<p:properties xmlns:p="http://schemas.microsoft.com/office/2006/metadata/properties" xmlns:xsi="http://www.w3.org/2001/XMLSchema-instance" xmlns:pc="http://schemas.microsoft.com/office/infopath/2007/PartnerControls">
-  <documentManagement/>
-</p:properties>
-</file>
-
-<file path=customXml/item2.xml><?xml version="1.0" encoding="utf-8"?>
 <ct:contentTypeSchema xmlns:ct="http://schemas.microsoft.com/office/2006/metadata/contentType" xmlns:ma="http://schemas.microsoft.com/office/2006/metadata/properties/metaAttributes" ct:_="" ma:_="" ma:contentTypeName="Document" ma:contentTypeID="0x010100B4B7E522E5E8844D9A9F767B4DD0CE93" ma:contentTypeVersion="7" ma:contentTypeDescription="Create a new document." ma:contentTypeScope="" ma:versionID="8ba8f910f6d1a461228dfa20cef1de2f">
   <xsd:schema xmlns:xsd="http://www.w3.org/2001/XMLSchema" xmlns:xs="http://www.w3.org/2001/XMLSchema" xmlns:p="http://schemas.microsoft.com/office/2006/metadata/properties" xmlns:ns2="c91cdc3e-973e-4d12-b469-360c8baa679e" xmlns:ns3="40b18733-aeac-4a76-9772-656af1fde4d8" targetNamespace="http://schemas.microsoft.com/office/2006/metadata/properties" ma:root="true" ma:fieldsID="84c164cab73a850c21ee9cb14a302be5" ns2:_="" ns3:_="">
     <xsd:import namespace="c91cdc3e-973e-4d12-b469-360c8baa679e"/>
@@ -30105,6 +30209,12 @@
 </ct:contentTypeSchema>
 </file>
 
+<file path=customXml/item2.xml><?xml version="1.0" encoding="utf-8"?>
+<p:properties xmlns:p="http://schemas.microsoft.com/office/2006/metadata/properties" xmlns:xsi="http://www.w3.org/2001/XMLSchema-instance" xmlns:pc="http://schemas.microsoft.com/office/infopath/2007/PartnerControls">
+  <documentManagement/>
+</p:properties>
+</file>
+
 <file path=customXml/item3.xml><?xml version="1.0" encoding="utf-8"?>
 <?mso-contentType ?>
 <FormTemplates xmlns="http://schemas.microsoft.com/sharepoint/v3/contenttype/forms">
@@ -30115,15 +30225,6 @@
 </file>
 
 <file path=customXml/itemProps1.xml><?xml version="1.0" encoding="utf-8"?>
-<ds:datastoreItem xmlns:ds="http://schemas.openxmlformats.org/officeDocument/2006/customXml" ds:itemID="{13C8EE23-D077-4470-A7D2-FAA4D6B2A529}">
-  <ds:schemaRefs>
-    <ds:schemaRef ds:uri="http://schemas.microsoft.com/office/2006/metadata/properties"/>
-    <ds:schemaRef ds:uri="http://schemas.microsoft.com/office/infopath/2007/PartnerControls"/>
-  </ds:schemaRefs>
-</ds:datastoreItem>
-</file>
-
-<file path=customXml/itemProps2.xml><?xml version="1.0" encoding="utf-8"?>
 <ds:datastoreItem xmlns:ds="http://schemas.openxmlformats.org/officeDocument/2006/customXml" ds:itemID="{7F418B9F-AC94-4746-8DF7-6CFBDDA511D5}">
   <ds:schemaRefs>
     <ds:schemaRef ds:uri="http://schemas.microsoft.com/office/2006/metadata/contentType"/>
@@ -30142,6 +30243,15 @@
 </ds:datastoreItem>
 </file>
 
+<file path=customXml/itemProps2.xml><?xml version="1.0" encoding="utf-8"?>
+<ds:datastoreItem xmlns:ds="http://schemas.openxmlformats.org/officeDocument/2006/customXml" ds:itemID="{13C8EE23-D077-4470-A7D2-FAA4D6B2A529}">
+  <ds:schemaRefs>
+    <ds:schemaRef ds:uri="http://schemas.microsoft.com/office/2006/metadata/properties"/>
+    <ds:schemaRef ds:uri="http://schemas.microsoft.com/office/infopath/2007/PartnerControls"/>
+  </ds:schemaRefs>
+</ds:datastoreItem>
+</file>
+
 <file path=customXml/itemProps3.xml><?xml version="1.0" encoding="utf-8"?>
 <ds:datastoreItem xmlns:ds="http://schemas.openxmlformats.org/officeDocument/2006/customXml" ds:itemID="{30B79C05-E018-46D4-8AB5-39122C510A47}">
   <ds:schemaRefs>
